--- a/Figures/Dist5/Dist5.pptx
+++ b/Figures/Dist5/Dist5.pptx
@@ -243,7 +243,7 @@
           <a:p>
             <a:fld id="{D3A6B123-D7EF-4E83-BA9B-DCD733485001}" type="datetimeFigureOut">
               <a:rPr lang="en-US" smtClean="0"/>
-              <a:t>12/12/2016</a:t>
+              <a:t>12/16/2016</a:t>
             </a:fld>
             <a:endParaRPr lang="en-US"/>
           </a:p>
@@ -413,7 +413,7 @@
           <a:p>
             <a:fld id="{D3A6B123-D7EF-4E83-BA9B-DCD733485001}" type="datetimeFigureOut">
               <a:rPr lang="en-US" smtClean="0"/>
-              <a:t>12/12/2016</a:t>
+              <a:t>12/16/2016</a:t>
             </a:fld>
             <a:endParaRPr lang="en-US"/>
           </a:p>
@@ -593,7 +593,7 @@
           <a:p>
             <a:fld id="{D3A6B123-D7EF-4E83-BA9B-DCD733485001}" type="datetimeFigureOut">
               <a:rPr lang="en-US" smtClean="0"/>
-              <a:t>12/12/2016</a:t>
+              <a:t>12/16/2016</a:t>
             </a:fld>
             <a:endParaRPr lang="en-US"/>
           </a:p>
@@ -763,7 +763,7 @@
           <a:p>
             <a:fld id="{D3A6B123-D7EF-4E83-BA9B-DCD733485001}" type="datetimeFigureOut">
               <a:rPr lang="en-US" smtClean="0"/>
-              <a:t>12/12/2016</a:t>
+              <a:t>12/16/2016</a:t>
             </a:fld>
             <a:endParaRPr lang="en-US"/>
           </a:p>
@@ -1009,7 +1009,7 @@
           <a:p>
             <a:fld id="{D3A6B123-D7EF-4E83-BA9B-DCD733485001}" type="datetimeFigureOut">
               <a:rPr lang="en-US" smtClean="0"/>
-              <a:t>12/12/2016</a:t>
+              <a:t>12/16/2016</a:t>
             </a:fld>
             <a:endParaRPr lang="en-US"/>
           </a:p>
@@ -1241,7 +1241,7 @@
           <a:p>
             <a:fld id="{D3A6B123-D7EF-4E83-BA9B-DCD733485001}" type="datetimeFigureOut">
               <a:rPr lang="en-US" smtClean="0"/>
-              <a:t>12/12/2016</a:t>
+              <a:t>12/16/2016</a:t>
             </a:fld>
             <a:endParaRPr lang="en-US"/>
           </a:p>
@@ -1608,7 +1608,7 @@
           <a:p>
             <a:fld id="{D3A6B123-D7EF-4E83-BA9B-DCD733485001}" type="datetimeFigureOut">
               <a:rPr lang="en-US" smtClean="0"/>
-              <a:t>12/12/2016</a:t>
+              <a:t>12/16/2016</a:t>
             </a:fld>
             <a:endParaRPr lang="en-US"/>
           </a:p>
@@ -1726,7 +1726,7 @@
           <a:p>
             <a:fld id="{D3A6B123-D7EF-4E83-BA9B-DCD733485001}" type="datetimeFigureOut">
               <a:rPr lang="en-US" smtClean="0"/>
-              <a:t>12/12/2016</a:t>
+              <a:t>12/16/2016</a:t>
             </a:fld>
             <a:endParaRPr lang="en-US"/>
           </a:p>
@@ -1821,7 +1821,7 @@
           <a:p>
             <a:fld id="{D3A6B123-D7EF-4E83-BA9B-DCD733485001}" type="datetimeFigureOut">
               <a:rPr lang="en-US" smtClean="0"/>
-              <a:t>12/12/2016</a:t>
+              <a:t>12/16/2016</a:t>
             </a:fld>
             <a:endParaRPr lang="en-US"/>
           </a:p>
@@ -2098,7 +2098,7 @@
           <a:p>
             <a:fld id="{D3A6B123-D7EF-4E83-BA9B-DCD733485001}" type="datetimeFigureOut">
               <a:rPr lang="en-US" smtClean="0"/>
-              <a:t>12/12/2016</a:t>
+              <a:t>12/16/2016</a:t>
             </a:fld>
             <a:endParaRPr lang="en-US"/>
           </a:p>
@@ -2355,7 +2355,7 @@
           <a:p>
             <a:fld id="{D3A6B123-D7EF-4E83-BA9B-DCD733485001}" type="datetimeFigureOut">
               <a:rPr lang="en-US" smtClean="0"/>
-              <a:t>12/12/2016</a:t>
+              <a:t>12/16/2016</a:t>
             </a:fld>
             <a:endParaRPr lang="en-US"/>
           </a:p>
@@ -2568,7 +2568,7 @@
           <a:p>
             <a:fld id="{D3A6B123-D7EF-4E83-BA9B-DCD733485001}" type="datetimeFigureOut">
               <a:rPr lang="en-US" smtClean="0"/>
-              <a:t>12/12/2016</a:t>
+              <a:t>12/16/2016</a:t>
             </a:fld>
             <a:endParaRPr lang="en-US"/>
           </a:p>
@@ -3145,7 +3145,7 @@
       </p:pic>
       <p:pic>
         <p:nvPicPr>
-          <p:cNvPr id="42" name="Picture 41"/>
+          <p:cNvPr id="2" name="Picture 1"/>
           <p:cNvPicPr>
             <a:picLocks noChangeAspect="1"/>
           </p:cNvPicPr>
@@ -3169,8 +3169,8 @@
         </p:blipFill>
         <p:spPr>
           <a:xfrm>
-            <a:off x="10276991" y="5414659"/>
-            <a:ext cx="3093333" cy="255238"/>
+            <a:off x="10366047" y="5394650"/>
+            <a:ext cx="2979048" cy="255238"/>
           </a:xfrm>
           <a:prstGeom prst="rect">
             <a:avLst/>
@@ -3349,7 +3349,7 @@
       </p:pic>
       <p:pic>
         <p:nvPicPr>
-          <p:cNvPr id="43" name="Picture 42"/>
+          <p:cNvPr id="4" name="Picture 3"/>
           <p:cNvPicPr>
             <a:picLocks noChangeAspect="1"/>
           </p:cNvPicPr>
@@ -3363,12 +3363,12 @@
               </a:ext>
             </a:extLst>
           </a:blip>
-          <a:srcRect l="16353" t="8667" r="10314" b="38000"/>
+          <a:srcRect l="15059" t="8667" r="11608" b="38000"/>
           <a:stretch/>
         </p:blipFill>
         <p:spPr>
           <a:xfrm>
-            <a:off x="8134604" y="1115568"/>
+            <a:off x="9966960" y="1115568"/>
             <a:ext cx="1554480" cy="3657600"/>
           </a:xfrm>
           <a:prstGeom prst="rect">
@@ -3378,7 +3378,7 @@
       </p:pic>
       <p:pic>
         <p:nvPicPr>
-          <p:cNvPr id="46" name="Picture 45"/>
+          <p:cNvPr id="6" name="Picture 5"/>
           <p:cNvPicPr>
             <a:picLocks noChangeAspect="1"/>
           </p:cNvPicPr>
@@ -3392,12 +3392,12 @@
               </a:ext>
             </a:extLst>
           </a:blip>
-          <a:srcRect l="13333" t="8666" r="13333" b="38000"/>
+          <a:srcRect l="15059" t="8667" r="11608" b="38000"/>
           <a:stretch/>
         </p:blipFill>
         <p:spPr>
           <a:xfrm>
-            <a:off x="11792204" y="1115568"/>
+            <a:off x="8138160" y="1115568"/>
             <a:ext cx="1554480" cy="3657600"/>
           </a:xfrm>
           <a:prstGeom prst="rect">
@@ -3407,7 +3407,7 @@
       </p:pic>
       <p:pic>
         <p:nvPicPr>
-          <p:cNvPr id="47" name="Picture 46"/>
+          <p:cNvPr id="7" name="Picture 6"/>
           <p:cNvPicPr>
             <a:picLocks noChangeAspect="1"/>
           </p:cNvPicPr>
@@ -3421,12 +3421,12 @@
               </a:ext>
             </a:extLst>
           </a:blip>
-          <a:srcRect l="13333" t="8667" r="13333" b="38000"/>
+          <a:srcRect l="15059" t="8667" r="11608" b="38000"/>
           <a:stretch/>
         </p:blipFill>
         <p:spPr>
           <a:xfrm>
-            <a:off x="9963404" y="1115568"/>
+            <a:off x="11795760" y="1115568"/>
             <a:ext cx="1554480" cy="3657600"/>
           </a:xfrm>
           <a:prstGeom prst="rect">
@@ -3463,7 +3463,7 @@
 
 <file path=ppt/tags/tag3.xml><?xml version="1.0" encoding="utf-8"?>
 <p:tagLst xmlns:a="http://schemas.openxmlformats.org/drawingml/2006/main" xmlns:r="http://schemas.openxmlformats.org/officeDocument/2006/relationships" xmlns:p="http://schemas.openxmlformats.org/presentationml/2006/main">
-  <p:tag name="LATEXADDIN" val="\documentclass{article}&#10;\usepackage{amsmath}&#10;\pagestyle{empty}&#10;\begin{document}&#10;&#10;\begin{equation*}&#10;%\begin{split}&#10;\mathrm{Current \ density} \&#10;[ek_F\Delta_0/\pi\hbar]&#10;%\end{split}&#10;\end{equation*}&#10;&#10;\end{document}"/>
+  <p:tag name="LATEXADDIN" val="\documentclass{article}&#10;\usepackage{amsmath}&#10;\pagestyle{empty}&#10;\begin{document}&#10;&#10;\begin{equation*}&#10;%\begin{split}&#10;\mathrm{Current \ density} \&#10;[ek_F\Delta/\pi\hbar]&#10;%\end{split}&#10;\end{equation*}&#10;&#10;\end{document}"/>
   <p:tag name="IGUANATEXSIZE" val="20"/>
 </p:tagLst>
 </file>
